--- a/slides/template-slides.pptx
+++ b/slides/template-slides.pptx
@@ -5,11 +5,13 @@
     <p:sldMasterId id="2147483684" r:id="rId1"/>
   </p:sldMasterIdLst>
   <p:notesMasterIdLst>
-    <p:notesMasterId r:id="rId4"/>
+    <p:notesMasterId r:id="rId6"/>
   </p:notesMasterIdLst>
   <p:sldIdLst>
     <p:sldId id="256" r:id="rId2"/>
     <p:sldId id="257" r:id="rId3"/>
+    <p:sldId id="258" r:id="rId4"/>
+    <p:sldId id="259" r:id="rId5"/>
   </p:sldIdLst>
   <p:sldSz cx="12192000" cy="6858000"/>
   <p:notesSz cx="6858000" cy="9144000"/>
@@ -198,7 +200,7 @@
           <a:p>
             <a:fld id="{C3BDFCC3-9444-904F-8BDC-F0A1FF6E28DC}" type="datetimeFigureOut">
               <a:rPr lang="en-GB" smtClean="0"/>
-              <a:t>01/06/2024</a:t>
+              <a:t>11/06/2024</a:t>
             </a:fld>
             <a:endParaRPr lang="en-GB"/>
           </a:p>
@@ -549,6 +551,174 @@
 </p:notes>
 </file>
 
+<file path=ppt/notesSlides/notesSlide2.xml><?xml version="1.0" encoding="utf-8"?>
+<p:notes xmlns:a="http://schemas.openxmlformats.org/drawingml/2006/main" xmlns:r="http://schemas.openxmlformats.org/officeDocument/2006/relationships" xmlns:p="http://schemas.openxmlformats.org/presentationml/2006/main">
+  <p:cSld>
+    <p:spTree>
+      <p:nvGrpSpPr>
+        <p:cNvPr id="1" name=""/>
+        <p:cNvGrpSpPr/>
+        <p:nvPr/>
+      </p:nvGrpSpPr>
+      <p:grpSpPr>
+        <a:xfrm>
+          <a:off x="0" y="0"/>
+          <a:ext cx="0" cy="0"/>
+          <a:chOff x="0" y="0"/>
+          <a:chExt cx="0" cy="0"/>
+        </a:xfrm>
+      </p:grpSpPr>
+      <p:sp>
+        <p:nvSpPr>
+          <p:cNvPr id="2" name="Slide Image Placeholder 1"/>
+          <p:cNvSpPr>
+            <a:spLocks noGrp="1" noRot="1" noChangeAspect="1"/>
+          </p:cNvSpPr>
+          <p:nvPr>
+            <p:ph type="sldImg"/>
+          </p:nvPr>
+        </p:nvSpPr>
+        <p:spPr/>
+      </p:sp>
+      <p:sp>
+        <p:nvSpPr>
+          <p:cNvPr id="3" name="Notes Placeholder 2"/>
+          <p:cNvSpPr>
+            <a:spLocks noGrp="1"/>
+          </p:cNvSpPr>
+          <p:nvPr>
+            <p:ph type="body" idx="1"/>
+          </p:nvPr>
+        </p:nvSpPr>
+        <p:spPr/>
+        <p:txBody>
+          <a:bodyPr/>
+          <a:lstStyle/>
+          <a:p>
+            <a:endParaRPr lang="en-GB" dirty="0"/>
+          </a:p>
+        </p:txBody>
+      </p:sp>
+      <p:sp>
+        <p:nvSpPr>
+          <p:cNvPr id="4" name="Slide Number Placeholder 3"/>
+          <p:cNvSpPr>
+            <a:spLocks noGrp="1"/>
+          </p:cNvSpPr>
+          <p:nvPr>
+            <p:ph type="sldNum" sz="quarter" idx="5"/>
+          </p:nvPr>
+        </p:nvSpPr>
+        <p:spPr/>
+        <p:txBody>
+          <a:bodyPr/>
+          <a:lstStyle/>
+          <a:p>
+            <a:fld id="{F781B4EB-0248-0C41-8423-3C4A0934FE0D}" type="slidenum">
+              <a:rPr lang="en-GB" smtClean="0"/>
+              <a:t>3</a:t>
+            </a:fld>
+            <a:endParaRPr lang="en-GB"/>
+          </a:p>
+        </p:txBody>
+      </p:sp>
+    </p:spTree>
+    <p:extLst>
+      <p:ext uri="{BB962C8B-B14F-4D97-AF65-F5344CB8AC3E}">
+        <p14:creationId xmlns:p14="http://schemas.microsoft.com/office/powerpoint/2010/main" val="3421292513"/>
+      </p:ext>
+    </p:extLst>
+  </p:cSld>
+  <p:clrMapOvr>
+    <a:masterClrMapping/>
+  </p:clrMapOvr>
+</p:notes>
+</file>
+
+<file path=ppt/notesSlides/notesSlide3.xml><?xml version="1.0" encoding="utf-8"?>
+<p:notes xmlns:a="http://schemas.openxmlformats.org/drawingml/2006/main" xmlns:r="http://schemas.openxmlformats.org/officeDocument/2006/relationships" xmlns:p="http://schemas.openxmlformats.org/presentationml/2006/main">
+  <p:cSld>
+    <p:spTree>
+      <p:nvGrpSpPr>
+        <p:cNvPr id="1" name=""/>
+        <p:cNvGrpSpPr/>
+        <p:nvPr/>
+      </p:nvGrpSpPr>
+      <p:grpSpPr>
+        <a:xfrm>
+          <a:off x="0" y="0"/>
+          <a:ext cx="0" cy="0"/>
+          <a:chOff x="0" y="0"/>
+          <a:chExt cx="0" cy="0"/>
+        </a:xfrm>
+      </p:grpSpPr>
+      <p:sp>
+        <p:nvSpPr>
+          <p:cNvPr id="2" name="Slide Image Placeholder 1"/>
+          <p:cNvSpPr>
+            <a:spLocks noGrp="1" noRot="1" noChangeAspect="1"/>
+          </p:cNvSpPr>
+          <p:nvPr>
+            <p:ph type="sldImg"/>
+          </p:nvPr>
+        </p:nvSpPr>
+        <p:spPr/>
+      </p:sp>
+      <p:sp>
+        <p:nvSpPr>
+          <p:cNvPr id="3" name="Notes Placeholder 2"/>
+          <p:cNvSpPr>
+            <a:spLocks noGrp="1"/>
+          </p:cNvSpPr>
+          <p:nvPr>
+            <p:ph type="body" idx="1"/>
+          </p:nvPr>
+        </p:nvSpPr>
+        <p:spPr/>
+        <p:txBody>
+          <a:bodyPr/>
+          <a:lstStyle/>
+          <a:p>
+            <a:endParaRPr lang="en-GB" dirty="0"/>
+          </a:p>
+        </p:txBody>
+      </p:sp>
+      <p:sp>
+        <p:nvSpPr>
+          <p:cNvPr id="4" name="Slide Number Placeholder 3"/>
+          <p:cNvSpPr>
+            <a:spLocks noGrp="1"/>
+          </p:cNvSpPr>
+          <p:nvPr>
+            <p:ph type="sldNum" sz="quarter" idx="5"/>
+          </p:nvPr>
+        </p:nvSpPr>
+        <p:spPr/>
+        <p:txBody>
+          <a:bodyPr/>
+          <a:lstStyle/>
+          <a:p>
+            <a:fld id="{F781B4EB-0248-0C41-8423-3C4A0934FE0D}" type="slidenum">
+              <a:rPr lang="en-GB" smtClean="0"/>
+              <a:t>4</a:t>
+            </a:fld>
+            <a:endParaRPr lang="en-GB"/>
+          </a:p>
+        </p:txBody>
+      </p:sp>
+    </p:spTree>
+    <p:extLst>
+      <p:ext uri="{BB962C8B-B14F-4D97-AF65-F5344CB8AC3E}">
+        <p14:creationId xmlns:p14="http://schemas.microsoft.com/office/powerpoint/2010/main" val="2121116161"/>
+      </p:ext>
+    </p:extLst>
+  </p:cSld>
+  <p:clrMapOvr>
+    <a:masterClrMapping/>
+  </p:clrMapOvr>
+</p:notes>
+</file>
+
 <file path=ppt/slideLayouts/slideLayout1.xml><?xml version="1.0" encoding="utf-8"?>
 <p:sldLayout xmlns:a="http://schemas.openxmlformats.org/drawingml/2006/main" xmlns:r="http://schemas.openxmlformats.org/officeDocument/2006/relationships" xmlns:p="http://schemas.openxmlformats.org/presentationml/2006/main" type="title" preserve="1">
   <p:cSld name="Title Slide">
@@ -680,7 +850,7 @@
           <a:p>
             <a:fld id="{C6CF10CA-94B3-504B-A812-19B0C18E6A91}" type="datetimeFigureOut">
               <a:rPr lang="en-GB" smtClean="0"/>
-              <a:t>01/06/2024</a:t>
+              <a:t>11/06/2024</a:t>
             </a:fld>
             <a:endParaRPr lang="en-GB"/>
           </a:p>
@@ -850,7 +1020,7 @@
           <a:p>
             <a:fld id="{C6CF10CA-94B3-504B-A812-19B0C18E6A91}" type="datetimeFigureOut">
               <a:rPr lang="en-GB" smtClean="0"/>
-              <a:t>01/06/2024</a:t>
+              <a:t>11/06/2024</a:t>
             </a:fld>
             <a:endParaRPr lang="en-GB"/>
           </a:p>
@@ -1030,7 +1200,7 @@
           <a:p>
             <a:fld id="{C6CF10CA-94B3-504B-A812-19B0C18E6A91}" type="datetimeFigureOut">
               <a:rPr lang="en-GB" smtClean="0"/>
-              <a:t>01/06/2024</a:t>
+              <a:t>11/06/2024</a:t>
             </a:fld>
             <a:endParaRPr lang="en-GB"/>
           </a:p>
@@ -1200,7 +1370,7 @@
           <a:p>
             <a:fld id="{C6CF10CA-94B3-504B-A812-19B0C18E6A91}" type="datetimeFigureOut">
               <a:rPr lang="en-GB" smtClean="0"/>
-              <a:t>01/06/2024</a:t>
+              <a:t>11/06/2024</a:t>
             </a:fld>
             <a:endParaRPr lang="en-GB"/>
           </a:p>
@@ -1446,7 +1616,7 @@
           <a:p>
             <a:fld id="{C6CF10CA-94B3-504B-A812-19B0C18E6A91}" type="datetimeFigureOut">
               <a:rPr lang="en-GB" smtClean="0"/>
-              <a:t>01/06/2024</a:t>
+              <a:t>11/06/2024</a:t>
             </a:fld>
             <a:endParaRPr lang="en-GB"/>
           </a:p>
@@ -1678,7 +1848,7 @@
           <a:p>
             <a:fld id="{C6CF10CA-94B3-504B-A812-19B0C18E6A91}" type="datetimeFigureOut">
               <a:rPr lang="en-GB" smtClean="0"/>
-              <a:t>01/06/2024</a:t>
+              <a:t>11/06/2024</a:t>
             </a:fld>
             <a:endParaRPr lang="en-GB"/>
           </a:p>
@@ -2045,7 +2215,7 @@
           <a:p>
             <a:fld id="{C6CF10CA-94B3-504B-A812-19B0C18E6A91}" type="datetimeFigureOut">
               <a:rPr lang="en-GB" smtClean="0"/>
-              <a:t>01/06/2024</a:t>
+              <a:t>11/06/2024</a:t>
             </a:fld>
             <a:endParaRPr lang="en-GB"/>
           </a:p>
@@ -2163,7 +2333,7 @@
           <a:p>
             <a:fld id="{C6CF10CA-94B3-504B-A812-19B0C18E6A91}" type="datetimeFigureOut">
               <a:rPr lang="en-GB" smtClean="0"/>
-              <a:t>01/06/2024</a:t>
+              <a:t>11/06/2024</a:t>
             </a:fld>
             <a:endParaRPr lang="en-GB"/>
           </a:p>
@@ -2258,7 +2428,7 @@
           <a:p>
             <a:fld id="{C6CF10CA-94B3-504B-A812-19B0C18E6A91}" type="datetimeFigureOut">
               <a:rPr lang="en-GB" smtClean="0"/>
-              <a:t>01/06/2024</a:t>
+              <a:t>11/06/2024</a:t>
             </a:fld>
             <a:endParaRPr lang="en-GB"/>
           </a:p>
@@ -2535,7 +2705,7 @@
           <a:p>
             <a:fld id="{C6CF10CA-94B3-504B-A812-19B0C18E6A91}" type="datetimeFigureOut">
               <a:rPr lang="en-GB" smtClean="0"/>
-              <a:t>01/06/2024</a:t>
+              <a:t>11/06/2024</a:t>
             </a:fld>
             <a:endParaRPr lang="en-GB"/>
           </a:p>
@@ -2792,7 +2962,7 @@
           <a:p>
             <a:fld id="{C6CF10CA-94B3-504B-A812-19B0C18E6A91}" type="datetimeFigureOut">
               <a:rPr lang="en-GB" smtClean="0"/>
-              <a:t>01/06/2024</a:t>
+              <a:t>11/06/2024</a:t>
             </a:fld>
             <a:endParaRPr lang="en-GB"/>
           </a:p>
@@ -3005,7 +3175,7 @@
           <a:p>
             <a:fld id="{C6CF10CA-94B3-504B-A812-19B0C18E6A91}" type="datetimeFigureOut">
               <a:rPr lang="en-GB" smtClean="0"/>
-              <a:t>01/06/2024</a:t>
+              <a:t>11/06/2024</a:t>
             </a:fld>
             <a:endParaRPr lang="en-GB"/>
           </a:p>
@@ -3670,6 +3840,172 @@
     <p:extLst>
       <p:ext uri="{BB962C8B-B14F-4D97-AF65-F5344CB8AC3E}">
         <p14:creationId xmlns:p14="http://schemas.microsoft.com/office/powerpoint/2010/main" val="2786090085"/>
+      </p:ext>
+    </p:extLst>
+  </p:cSld>
+  <p:clrMapOvr>
+    <a:masterClrMapping/>
+  </p:clrMapOvr>
+</p:sld>
+</file>
+
+<file path=ppt/slides/slide3.xml><?xml version="1.0" encoding="utf-8"?>
+<p:sld xmlns:a="http://schemas.openxmlformats.org/drawingml/2006/main" xmlns:r="http://schemas.openxmlformats.org/officeDocument/2006/relationships" xmlns:p="http://schemas.openxmlformats.org/presentationml/2006/main">
+  <p:cSld>
+    <p:spTree>
+      <p:nvGrpSpPr>
+        <p:cNvPr id="1" name=""/>
+        <p:cNvGrpSpPr/>
+        <p:nvPr/>
+      </p:nvGrpSpPr>
+      <p:grpSpPr>
+        <a:xfrm>
+          <a:off x="0" y="0"/>
+          <a:ext cx="0" cy="0"/>
+          <a:chOff x="0" y="0"/>
+          <a:chExt cx="0" cy="0"/>
+        </a:xfrm>
+      </p:grpSpPr>
+      <p:sp>
+        <p:nvSpPr>
+          <p:cNvPr id="2" name="Title 1">
+            <a:extLst>
+              <a:ext uri="{FF2B5EF4-FFF2-40B4-BE49-F238E27FC236}">
+                <a16:creationId xmlns:a16="http://schemas.microsoft.com/office/drawing/2014/main" id="{A74716B6-6486-0023-8D3C-FBBC58835CF9}"/>
+              </a:ext>
+            </a:extLst>
+          </p:cNvPr>
+          <p:cNvSpPr>
+            <a:spLocks noGrp="1"/>
+          </p:cNvSpPr>
+          <p:nvPr>
+            <p:ph type="title"/>
+          </p:nvPr>
+        </p:nvSpPr>
+        <p:spPr/>
+        <p:txBody>
+          <a:bodyPr/>
+          <a:lstStyle/>
+          <a:p>
+            <a:r>
+              <a:rPr lang="en-GB" dirty="0"/>
+              <a:t>Schedule</a:t>
+            </a:r>
+          </a:p>
+        </p:txBody>
+      </p:sp>
+      <p:sp>
+        <p:nvSpPr>
+          <p:cNvPr id="3" name="Content Placeholder 2">
+            <a:extLst>
+              <a:ext uri="{FF2B5EF4-FFF2-40B4-BE49-F238E27FC236}">
+                <a16:creationId xmlns:a16="http://schemas.microsoft.com/office/drawing/2014/main" id="{1F3179E1-5182-96F9-1FBF-A78A9FB24736}"/>
+              </a:ext>
+            </a:extLst>
+          </p:cNvPr>
+          <p:cNvSpPr>
+            <a:spLocks noGrp="1"/>
+          </p:cNvSpPr>
+          <p:nvPr>
+            <p:ph idx="1"/>
+          </p:nvPr>
+        </p:nvSpPr>
+        <p:spPr/>
+        <p:txBody>
+          <a:bodyPr/>
+          <a:lstStyle/>
+          <a:p>
+            <a:endParaRPr lang="en-GB"/>
+          </a:p>
+        </p:txBody>
+      </p:sp>
+    </p:spTree>
+    <p:extLst>
+      <p:ext uri="{BB962C8B-B14F-4D97-AF65-F5344CB8AC3E}">
+        <p14:creationId xmlns:p14="http://schemas.microsoft.com/office/powerpoint/2010/main" val="3272355120"/>
+      </p:ext>
+    </p:extLst>
+  </p:cSld>
+  <p:clrMapOvr>
+    <a:masterClrMapping/>
+  </p:clrMapOvr>
+</p:sld>
+</file>
+
+<file path=ppt/slides/slide4.xml><?xml version="1.0" encoding="utf-8"?>
+<p:sld xmlns:a="http://schemas.openxmlformats.org/drawingml/2006/main" xmlns:r="http://schemas.openxmlformats.org/officeDocument/2006/relationships" xmlns:p="http://schemas.openxmlformats.org/presentationml/2006/main">
+  <p:cSld>
+    <p:spTree>
+      <p:nvGrpSpPr>
+        <p:cNvPr id="1" name=""/>
+        <p:cNvGrpSpPr/>
+        <p:nvPr/>
+      </p:nvGrpSpPr>
+      <p:grpSpPr>
+        <a:xfrm>
+          <a:off x="0" y="0"/>
+          <a:ext cx="0" cy="0"/>
+          <a:chOff x="0" y="0"/>
+          <a:chExt cx="0" cy="0"/>
+        </a:xfrm>
+      </p:grpSpPr>
+      <p:sp>
+        <p:nvSpPr>
+          <p:cNvPr id="2" name="Title 1">
+            <a:extLst>
+              <a:ext uri="{FF2B5EF4-FFF2-40B4-BE49-F238E27FC236}">
+                <a16:creationId xmlns:a16="http://schemas.microsoft.com/office/drawing/2014/main" id="{A74716B6-6486-0023-8D3C-FBBC58835CF9}"/>
+              </a:ext>
+            </a:extLst>
+          </p:cNvPr>
+          <p:cNvSpPr>
+            <a:spLocks noGrp="1"/>
+          </p:cNvSpPr>
+          <p:nvPr>
+            <p:ph type="title"/>
+          </p:nvPr>
+        </p:nvSpPr>
+        <p:spPr/>
+        <p:txBody>
+          <a:bodyPr/>
+          <a:lstStyle/>
+          <a:p>
+            <a:r>
+              <a:rPr lang="en-GB" dirty="0"/>
+              <a:t>Motivation…</a:t>
+            </a:r>
+          </a:p>
+        </p:txBody>
+      </p:sp>
+      <p:sp>
+        <p:nvSpPr>
+          <p:cNvPr id="3" name="Content Placeholder 2">
+            <a:extLst>
+              <a:ext uri="{FF2B5EF4-FFF2-40B4-BE49-F238E27FC236}">
+                <a16:creationId xmlns:a16="http://schemas.microsoft.com/office/drawing/2014/main" id="{1F3179E1-5182-96F9-1FBF-A78A9FB24736}"/>
+              </a:ext>
+            </a:extLst>
+          </p:cNvPr>
+          <p:cNvSpPr>
+            <a:spLocks noGrp="1"/>
+          </p:cNvSpPr>
+          <p:nvPr>
+            <p:ph idx="1"/>
+          </p:nvPr>
+        </p:nvSpPr>
+        <p:spPr/>
+        <p:txBody>
+          <a:bodyPr/>
+          <a:lstStyle/>
+          <a:p>
+            <a:endParaRPr lang="en-GB"/>
+          </a:p>
+        </p:txBody>
+      </p:sp>
+    </p:spTree>
+    <p:extLst>
+      <p:ext uri="{BB962C8B-B14F-4D97-AF65-F5344CB8AC3E}">
+        <p14:creationId xmlns:p14="http://schemas.microsoft.com/office/powerpoint/2010/main" val="1321655637"/>
       </p:ext>
     </p:extLst>
   </p:cSld>
